--- a/Refernce/백화점 데이터 파트별 분석방향성.pptx
+++ b/Refernce/백화점 데이터 파트별 분석방향성.pptx
@@ -104,6 +104,11 @@
       </a:defRPr>
     </a:lvl9pPr>
   </p:defaultTextStyle>
+  <p:extLst>
+    <p:ext uri="{EFAFB233-063F-42B5-8137-9DF3F51BA10A}">
+      <p15:sldGuideLst xmlns:p15="http://schemas.microsoft.com/office/powerpoint/2012/main"/>
+    </p:ext>
+  </p:extLst>
 </p:presentation>
 </file>
 
@@ -254,7 +259,7 @@
           <a:p>
             <a:fld id="{4F022051-D833-44AC-B66A-CDC3702B6538}" type="datetimeFigureOut">
               <a:rPr lang="ko-KR" altLang="en-US" smtClean="0"/>
-              <a:t>2020-08-11</a:t>
+              <a:t>2020-08-12</a:t>
             </a:fld>
             <a:endParaRPr lang="ko-KR" altLang="en-US"/>
           </a:p>
@@ -452,7 +457,7 @@
           <a:p>
             <a:fld id="{4F022051-D833-44AC-B66A-CDC3702B6538}" type="datetimeFigureOut">
               <a:rPr lang="ko-KR" altLang="en-US" smtClean="0"/>
-              <a:t>2020-08-11</a:t>
+              <a:t>2020-08-12</a:t>
             </a:fld>
             <a:endParaRPr lang="ko-KR" altLang="en-US"/>
           </a:p>
@@ -660,7 +665,7 @@
           <a:p>
             <a:fld id="{4F022051-D833-44AC-B66A-CDC3702B6538}" type="datetimeFigureOut">
               <a:rPr lang="ko-KR" altLang="en-US" smtClean="0"/>
-              <a:t>2020-08-11</a:t>
+              <a:t>2020-08-12</a:t>
             </a:fld>
             <a:endParaRPr lang="ko-KR" altLang="en-US"/>
           </a:p>
@@ -858,7 +863,7 @@
           <a:p>
             <a:fld id="{4F022051-D833-44AC-B66A-CDC3702B6538}" type="datetimeFigureOut">
               <a:rPr lang="ko-KR" altLang="en-US" smtClean="0"/>
-              <a:t>2020-08-11</a:t>
+              <a:t>2020-08-12</a:t>
             </a:fld>
             <a:endParaRPr lang="ko-KR" altLang="en-US"/>
           </a:p>
@@ -1133,7 +1138,7 @@
           <a:p>
             <a:fld id="{4F022051-D833-44AC-B66A-CDC3702B6538}" type="datetimeFigureOut">
               <a:rPr lang="ko-KR" altLang="en-US" smtClean="0"/>
-              <a:t>2020-08-11</a:t>
+              <a:t>2020-08-12</a:t>
             </a:fld>
             <a:endParaRPr lang="ko-KR" altLang="en-US"/>
           </a:p>
@@ -1398,7 +1403,7 @@
           <a:p>
             <a:fld id="{4F022051-D833-44AC-B66A-CDC3702B6538}" type="datetimeFigureOut">
               <a:rPr lang="ko-KR" altLang="en-US" smtClean="0"/>
-              <a:t>2020-08-11</a:t>
+              <a:t>2020-08-12</a:t>
             </a:fld>
             <a:endParaRPr lang="ko-KR" altLang="en-US"/>
           </a:p>
@@ -1810,7 +1815,7 @@
           <a:p>
             <a:fld id="{4F022051-D833-44AC-B66A-CDC3702B6538}" type="datetimeFigureOut">
               <a:rPr lang="ko-KR" altLang="en-US" smtClean="0"/>
-              <a:t>2020-08-11</a:t>
+              <a:t>2020-08-12</a:t>
             </a:fld>
             <a:endParaRPr lang="ko-KR" altLang="en-US"/>
           </a:p>
@@ -1951,7 +1956,7 @@
           <a:p>
             <a:fld id="{4F022051-D833-44AC-B66A-CDC3702B6538}" type="datetimeFigureOut">
               <a:rPr lang="ko-KR" altLang="en-US" smtClean="0"/>
-              <a:t>2020-08-11</a:t>
+              <a:t>2020-08-12</a:t>
             </a:fld>
             <a:endParaRPr lang="ko-KR" altLang="en-US"/>
           </a:p>
@@ -2064,7 +2069,7 @@
           <a:p>
             <a:fld id="{4F022051-D833-44AC-B66A-CDC3702B6538}" type="datetimeFigureOut">
               <a:rPr lang="ko-KR" altLang="en-US" smtClean="0"/>
-              <a:t>2020-08-11</a:t>
+              <a:t>2020-08-12</a:t>
             </a:fld>
             <a:endParaRPr lang="ko-KR" altLang="en-US"/>
           </a:p>
@@ -2375,7 +2380,7 @@
           <a:p>
             <a:fld id="{4F022051-D833-44AC-B66A-CDC3702B6538}" type="datetimeFigureOut">
               <a:rPr lang="ko-KR" altLang="en-US" smtClean="0"/>
-              <a:t>2020-08-11</a:t>
+              <a:t>2020-08-12</a:t>
             </a:fld>
             <a:endParaRPr lang="ko-KR" altLang="en-US"/>
           </a:p>
@@ -2663,7 +2668,7 @@
           <a:p>
             <a:fld id="{4F022051-D833-44AC-B66A-CDC3702B6538}" type="datetimeFigureOut">
               <a:rPr lang="ko-KR" altLang="en-US" smtClean="0"/>
-              <a:t>2020-08-11</a:t>
+              <a:t>2020-08-12</a:t>
             </a:fld>
             <a:endParaRPr lang="ko-KR" altLang="en-US"/>
           </a:p>
@@ -2904,7 +2909,7 @@
           <a:p>
             <a:fld id="{4F022051-D833-44AC-B66A-CDC3702B6538}" type="datetimeFigureOut">
               <a:rPr lang="ko-KR" altLang="en-US" smtClean="0"/>
-              <a:t>2020-08-11</a:t>
+              <a:t>2020-08-12</a:t>
             </a:fld>
             <a:endParaRPr lang="ko-KR" altLang="en-US"/>
           </a:p>
@@ -3336,14 +3341,14 @@
           <p:nvPr>
             <p:extLst>
               <p:ext uri="{D42A27DB-BD31-4B8C-83A1-F6EECF244321}">
-                <p14:modId xmlns:p14="http://schemas.microsoft.com/office/powerpoint/2010/main" val="3051310823"/>
+                <p14:modId xmlns:p14="http://schemas.microsoft.com/office/powerpoint/2010/main" val="2608294277"/>
               </p:ext>
             </p:extLst>
           </p:nvPr>
         </p:nvGraphicFramePr>
         <p:xfrm>
           <a:off x="385893" y="826770"/>
-          <a:ext cx="11467751" cy="5760720"/>
+          <a:ext cx="11467751" cy="6035040"/>
         </p:xfrm>
         <a:graphic>
           <a:graphicData uri="http://schemas.openxmlformats.org/drawingml/2006/table">
@@ -3484,8 +3489,21 @@
                       <a:pPr algn="ctr" latinLnBrk="1"/>
                       <a:r>
                         <a:rPr lang="ko-KR" altLang="en-US" dirty="0"/>
-                        <a:t>명목척도</a:t>
-                      </a:r>
+                        <a:t>명목</a:t>
+                      </a:r>
+                      <a:r>
+                        <a:rPr lang="en-US" altLang="ko-KR" dirty="0"/>
+                        <a:t>(</a:t>
+                      </a:r>
+                      <a:r>
+                        <a:rPr lang="ko-KR" altLang="en-US" dirty="0"/>
+                        <a:t>다항</a:t>
+                      </a:r>
+                      <a:r>
+                        <a:rPr lang="en-US" altLang="ko-KR" dirty="0"/>
+                        <a:t>)</a:t>
+                      </a:r>
+                      <a:endParaRPr lang="ko-KR" altLang="en-US" dirty="0"/>
                     </a:p>
                   </a:txBody>
                   <a:tcPr/>
@@ -3558,8 +3576,37 @@
                       <a:pPr algn="ctr" latinLnBrk="1"/>
                       <a:r>
                         <a:rPr lang="ko-KR" altLang="en-US" dirty="0"/>
-                        <a:t>명목척도</a:t>
-                      </a:r>
+                        <a:t>명목</a:t>
+                      </a:r>
+                      <a:r>
+                        <a:rPr lang="en-US" altLang="ko-KR" dirty="0"/>
+                        <a:t>(</a:t>
+                      </a:r>
+                      <a:r>
+                        <a:rPr lang="ko-KR" altLang="en-US" dirty="0"/>
+                        <a:t>다항</a:t>
+                      </a:r>
+                      <a:r>
+                        <a:rPr lang="en-US" altLang="ko-KR" dirty="0"/>
+                        <a:t>/</a:t>
+                      </a:r>
+                      <a:r>
+                        <a:rPr lang="ko-KR" altLang="en-US" dirty="0"/>
+                        <a:t>월</a:t>
+                      </a:r>
+                      <a:r>
+                        <a:rPr lang="en-US" altLang="ko-KR" dirty="0"/>
+                        <a:t>,</a:t>
+                      </a:r>
+                      <a:r>
+                        <a:rPr lang="ko-KR" altLang="en-US" dirty="0"/>
+                        <a:t>일</a:t>
+                      </a:r>
+                      <a:r>
+                        <a:rPr lang="en-US" altLang="ko-KR" dirty="0"/>
+                        <a:t>)</a:t>
+                      </a:r>
+                      <a:endParaRPr lang="ko-KR" altLang="en-US" dirty="0"/>
                     </a:p>
                   </a:txBody>
                   <a:tcPr/>
@@ -3602,7 +3649,7 @@
                       <a:pPr algn="ctr" latinLnBrk="1"/>
                       <a:r>
                         <a:rPr lang="en-US" altLang="ko-KR" cap="none" baseline="0" dirty="0" err="1"/>
-                        <a:t>sales_time</a:t>
+                        <a:t>sales_date</a:t>
                       </a:r>
                       <a:endParaRPr lang="ko-KR" altLang="en-US" cap="none" baseline="0" dirty="0"/>
                     </a:p>
@@ -3616,22 +3663,35 @@
                     <a:p>
                       <a:pPr algn="ctr" latinLnBrk="1"/>
                       <a:r>
-                        <a:rPr lang="ko-KR" altLang="en-US" dirty="0"/>
-                        <a:t>시간별</a:t>
-                      </a:r>
-                    </a:p>
-                  </a:txBody>
-                  <a:tcPr/>
-                </a:tc>
-                <a:tc>
-                  <a:txBody>
-                    <a:bodyPr/>
-                    <a:lstStyle/>
-                    <a:p>
-                      <a:pPr algn="ctr" latinLnBrk="1"/>
-                      <a:r>
                         <a:rPr lang="ko-KR" altLang="en-US" dirty="0" err="1"/>
-                        <a:t>등간척도</a:t>
+                        <a:t>날짜별</a:t>
+                      </a:r>
+                      <a:endParaRPr lang="ko-KR" altLang="en-US" dirty="0"/>
+                    </a:p>
+                  </a:txBody>
+                  <a:tcPr/>
+                </a:tc>
+                <a:tc>
+                  <a:txBody>
+                    <a:bodyPr/>
+                    <a:lstStyle/>
+                    <a:p>
+                      <a:pPr algn="ctr" latinLnBrk="1"/>
+                      <a:r>
+                        <a:rPr lang="ko-KR" altLang="en-US" dirty="0"/>
+                        <a:t>서열</a:t>
+                      </a:r>
+                      <a:r>
+                        <a:rPr lang="en-US" altLang="ko-KR" dirty="0"/>
+                        <a:t>(</a:t>
+                      </a:r>
+                      <a:r>
+                        <a:rPr lang="ko-KR" altLang="en-US" dirty="0"/>
+                        <a:t>주차</a:t>
+                      </a:r>
+                      <a:r>
+                        <a:rPr lang="en-US" altLang="ko-KR" dirty="0"/>
+                        <a:t>)</a:t>
                       </a:r>
                       <a:endParaRPr lang="ko-KR" altLang="en-US" dirty="0"/>
                     </a:p>
@@ -3705,7 +3765,7 @@
                       <a:pPr algn="ctr" latinLnBrk="1"/>
                       <a:r>
                         <a:rPr lang="ko-KR" altLang="en-US" dirty="0"/>
-                        <a:t>명목척도</a:t>
+                        <a:t>서열</a:t>
                       </a:r>
                     </a:p>
                   </a:txBody>
@@ -3811,8 +3871,21 @@
                       <a:pPr algn="ctr" latinLnBrk="1"/>
                       <a:r>
                         <a:rPr lang="ko-KR" altLang="en-US" dirty="0"/>
-                        <a:t>명목척도</a:t>
-                      </a:r>
+                        <a:t>명목</a:t>
+                      </a:r>
+                      <a:r>
+                        <a:rPr lang="en-US" altLang="ko-KR" dirty="0"/>
+                        <a:t>(</a:t>
+                      </a:r>
+                      <a:r>
+                        <a:rPr lang="ko-KR" altLang="en-US" dirty="0"/>
+                        <a:t>다항</a:t>
+                      </a:r>
+                      <a:r>
+                        <a:rPr lang="en-US" altLang="ko-KR" dirty="0"/>
+                        <a:t>)</a:t>
+                      </a:r>
+                      <a:endParaRPr lang="ko-KR" altLang="en-US" dirty="0"/>
                     </a:p>
                   </a:txBody>
                   <a:tcPr/>
@@ -3884,7 +3957,7 @@
                       <a:pPr algn="ctr" latinLnBrk="1"/>
                       <a:r>
                         <a:rPr lang="ko-KR" altLang="en-US" dirty="0"/>
-                        <a:t>명목척도</a:t>
+                        <a:t>서열</a:t>
                       </a:r>
                     </a:p>
                   </a:txBody>
@@ -3981,7 +4054,7 @@
                       <a:pPr algn="ctr" latinLnBrk="1"/>
                       <a:r>
                         <a:rPr lang="ko-KR" altLang="en-US" dirty="0"/>
-                        <a:t>명목척도</a:t>
+                        <a:t>서열</a:t>
                       </a:r>
                     </a:p>
                   </a:txBody>
@@ -4059,22 +4132,35 @@
                       <a:pPr algn="ctr" latinLnBrk="1"/>
                       <a:r>
                         <a:rPr lang="ko-KR" altLang="en-US" dirty="0"/>
-                        <a:t>제품별</a:t>
-                      </a:r>
-                    </a:p>
-                  </a:txBody>
-                  <a:tcPr/>
-                </a:tc>
-                <a:tc>
-                  <a:txBody>
-                    <a:bodyPr/>
-                    <a:lstStyle/>
-                    <a:p>
-                      <a:pPr algn="ctr" latinLnBrk="1"/>
-                      <a:r>
-                        <a:rPr lang="ko-KR" altLang="en-US" dirty="0"/>
-                        <a:t>명목척도</a:t>
-                      </a:r>
+                        <a:t>층별</a:t>
+                      </a:r>
+                    </a:p>
+                  </a:txBody>
+                  <a:tcPr/>
+                </a:tc>
+                <a:tc>
+                  <a:txBody>
+                    <a:bodyPr/>
+                    <a:lstStyle/>
+                    <a:p>
+                      <a:pPr algn="ctr" latinLnBrk="1"/>
+                      <a:r>
+                        <a:rPr lang="ko-KR" altLang="en-US" dirty="0"/>
+                        <a:t>명목</a:t>
+                      </a:r>
+                      <a:r>
+                        <a:rPr lang="en-US" altLang="ko-KR" dirty="0"/>
+                        <a:t>(</a:t>
+                      </a:r>
+                      <a:r>
+                        <a:rPr lang="ko-KR" altLang="en-US" dirty="0"/>
+                        <a:t>다항</a:t>
+                      </a:r>
+                      <a:r>
+                        <a:rPr lang="en-US" altLang="ko-KR" dirty="0"/>
+                        <a:t>)</a:t>
+                      </a:r>
+                      <a:endParaRPr lang="ko-KR" altLang="en-US" dirty="0"/>
                     </a:p>
                   </a:txBody>
                   <a:tcPr/>
@@ -4177,7 +4263,7 @@
                       <a:pPr algn="ctr" latinLnBrk="1"/>
                       <a:r>
                         <a:rPr lang="ko-KR" altLang="en-US" dirty="0"/>
-                        <a:t>명목척도</a:t>
+                        <a:t>서열</a:t>
                       </a:r>
                     </a:p>
                   </a:txBody>
@@ -4262,6 +4348,18 @@
                     <a:p>
                       <a:pPr algn="ctr" latinLnBrk="1"/>
                       <a:r>
+                        <a:rPr lang="en-US" altLang="ko-KR" cap="none" baseline="0" dirty="0"/>
+                        <a:t>(</a:t>
+                      </a:r>
+                      <a:r>
+                        <a:rPr lang="ko-KR" altLang="en-US" cap="none" baseline="0" dirty="0"/>
+                        <a:t>기준</a:t>
+                      </a:r>
+                      <a:r>
+                        <a:rPr lang="en-US" altLang="ko-KR" cap="none" baseline="0" dirty="0"/>
+                        <a:t>)</a:t>
+                      </a:r>
+                      <a:r>
                         <a:rPr lang="en-US" altLang="ko-KR" cap="none" baseline="0" dirty="0" err="1"/>
                         <a:t>buyer_nm</a:t>
                       </a:r>
@@ -4292,8 +4390,21 @@
                       <a:pPr algn="ctr" latinLnBrk="1"/>
                       <a:r>
                         <a:rPr lang="ko-KR" altLang="en-US" dirty="0"/>
-                        <a:t>명목척도</a:t>
-                      </a:r>
+                        <a:t>명목</a:t>
+                      </a:r>
+                      <a:r>
+                        <a:rPr lang="en-US" altLang="ko-KR" dirty="0"/>
+                        <a:t>(</a:t>
+                      </a:r>
+                      <a:r>
+                        <a:rPr lang="ko-KR" altLang="en-US" dirty="0"/>
+                        <a:t>다항</a:t>
+                      </a:r>
+                      <a:r>
+                        <a:rPr lang="en-US" altLang="ko-KR" dirty="0"/>
+                        <a:t>)</a:t>
+                      </a:r>
+                      <a:endParaRPr lang="ko-KR" altLang="en-US" dirty="0"/>
                     </a:p>
                   </a:txBody>
                   <a:tcPr/>
@@ -4387,7 +4498,7 @@
                       <a:pPr algn="ctr" latinLnBrk="1"/>
                       <a:r>
                         <a:rPr lang="ko-KR" altLang="en-US" dirty="0"/>
-                        <a:t>명목척도</a:t>
+                        <a:t>이항</a:t>
                       </a:r>
                     </a:p>
                   </a:txBody>
@@ -4484,7 +4595,7 @@
                       </a:pPr>
                       <a:r>
                         <a:rPr lang="ko-KR" altLang="en-US" dirty="0"/>
-                        <a:t>비율척도</a:t>
+                        <a:t>비율</a:t>
                       </a:r>
                     </a:p>
                   </a:txBody>
@@ -4514,7 +4625,7 @@
                   </a:ext>
                 </a:extLst>
               </a:tr>
-              <a:tr h="334359">
+              <a:tr h="0">
                 <a:tc>
                   <a:txBody>
                     <a:bodyPr/>
@@ -4552,7 +4663,7 @@
                       <a:pPr algn="ctr" latinLnBrk="1"/>
                       <a:r>
                         <a:rPr lang="ko-KR" altLang="en-US" dirty="0"/>
-                        <a:t>비율척도</a:t>
+                        <a:t>비율</a:t>
                       </a:r>
                     </a:p>
                   </a:txBody>
@@ -4620,7 +4731,7 @@
                       <a:pPr algn="ctr" latinLnBrk="1"/>
                       <a:r>
                         <a:rPr lang="ko-KR" altLang="en-US" dirty="0"/>
-                        <a:t>비율척도</a:t>
+                        <a:t>비율</a:t>
                       </a:r>
                     </a:p>
                   </a:txBody>

--- a/Refernce/백화점 데이터 파트별 분석방향성.pptx
+++ b/Refernce/백화점 데이터 파트별 분석방향성.pptx
@@ -3341,14 +3341,14 @@
           <p:nvPr>
             <p:extLst>
               <p:ext uri="{D42A27DB-BD31-4B8C-83A1-F6EECF244321}">
-                <p14:modId xmlns:p14="http://schemas.microsoft.com/office/powerpoint/2010/main" val="2608294277"/>
+                <p14:modId xmlns:p14="http://schemas.microsoft.com/office/powerpoint/2010/main" val="3720105133"/>
               </p:ext>
             </p:extLst>
           </p:nvPr>
         </p:nvGraphicFramePr>
         <p:xfrm>
-          <a:off x="385893" y="826770"/>
-          <a:ext cx="11467751" cy="6035040"/>
+          <a:off x="385893" y="457654"/>
+          <a:ext cx="11467751" cy="7132320"/>
         </p:xfrm>
         <a:graphic>
           <a:graphicData uri="http://schemas.openxmlformats.org/drawingml/2006/table">
@@ -3386,7 +3386,7 @@
                   </a:extLst>
                 </a:gridCol>
               </a:tblGrid>
-              <a:tr h="339003">
+              <a:tr h="282121">
                 <a:tc>
                   <a:txBody>
                     <a:bodyPr/>
@@ -3450,7 +3450,7 @@
                   </a:ext>
                 </a:extLst>
               </a:tr>
-              <a:tr h="339003">
+              <a:tr h="282121">
                 <a:tc>
                   <a:txBody>
                     <a:bodyPr/>
@@ -3537,7 +3537,7 @@
                   </a:ext>
                 </a:extLst>
               </a:tr>
-              <a:tr h="339003">
+              <a:tr h="493712">
                 <a:tc>
                   <a:txBody>
                     <a:bodyPr/>
@@ -3640,7 +3640,7 @@
                   </a:ext>
                 </a:extLst>
               </a:tr>
-              <a:tr h="308483">
+              <a:tr h="282121">
                 <a:tc>
                   <a:txBody>
                     <a:bodyPr/>
@@ -3649,7 +3649,7 @@
                       <a:pPr algn="ctr" latinLnBrk="1"/>
                       <a:r>
                         <a:rPr lang="en-US" altLang="ko-KR" cap="none" baseline="0" dirty="0" err="1"/>
-                        <a:t>sales_date</a:t>
+                        <a:t>sales_time</a:t>
                       </a:r>
                       <a:endParaRPr lang="ko-KR" altLang="en-US" cap="none" baseline="0" dirty="0"/>
                     </a:p>
@@ -3727,7 +3727,7 @@
                   </a:ext>
                 </a:extLst>
               </a:tr>
-              <a:tr h="308483">
+              <a:tr h="282121">
                 <a:tc>
                   <a:txBody>
                     <a:bodyPr/>
@@ -3832,7 +3832,7 @@
                   </a:ext>
                 </a:extLst>
               </a:tr>
-              <a:tr h="339003">
+              <a:tr h="282121">
                 <a:tc>
                   <a:txBody>
                     <a:bodyPr/>
@@ -3919,7 +3919,7 @@
                   </a:ext>
                 </a:extLst>
               </a:tr>
-              <a:tr h="339003">
+              <a:tr h="282121">
                 <a:tc>
                   <a:txBody>
                     <a:bodyPr/>
@@ -4015,7 +4015,7 @@
                   </a:ext>
                 </a:extLst>
               </a:tr>
-              <a:tr h="339003">
+              <a:tr h="282121">
                 <a:tc>
                   <a:txBody>
                     <a:bodyPr/>
@@ -4108,7 +4108,7 @@
                   </a:ext>
                 </a:extLst>
               </a:tr>
-              <a:tr h="339003">
+              <a:tr h="282121">
                 <a:tc>
                   <a:txBody>
                     <a:bodyPr/>
@@ -4225,7 +4225,7 @@
                   </a:ext>
                 </a:extLst>
               </a:tr>
-              <a:tr h="515460">
+              <a:tr h="320040">
                 <a:tc>
                   <a:txBody>
                     <a:bodyPr/>
@@ -4234,7 +4234,7 @@
                       <a:pPr algn="ctr" latinLnBrk="1"/>
                       <a:r>
                         <a:rPr lang="en-US" altLang="ko-KR" cap="none" baseline="0" dirty="0" err="1"/>
-                        <a:t>team_nm</a:t>
+                        <a:t>Part_nm</a:t>
                       </a:r>
                       <a:endParaRPr lang="ko-KR" altLang="en-US" cap="none" baseline="0" dirty="0"/>
                     </a:p>
@@ -4248,9 +4248,10 @@
                     <a:p>
                       <a:pPr algn="ctr" latinLnBrk="1"/>
                       <a:r>
-                        <a:rPr lang="ko-KR" altLang="en-US" dirty="0"/>
-                        <a:t>팀별</a:t>
-                      </a:r>
+                        <a:rPr lang="ko-KR" altLang="en-US" dirty="0" err="1"/>
+                        <a:t>파트별</a:t>
+                      </a:r>
+                      <a:endParaRPr lang="ko-KR" altLang="en-US" dirty="0"/>
                     </a:p>
                   </a:txBody>
                   <a:tcPr/>
@@ -4281,54 +4282,23 @@
                       </a:r>
                       <a:r>
                         <a:rPr lang="ko-KR" altLang="en-US" dirty="0"/>
-                        <a:t>의류패션팀</a:t>
+                        <a:t>가정용품</a:t>
                       </a:r>
                       <a:r>
                         <a:rPr lang="en-US" altLang="ko-KR" dirty="0"/>
                         <a:t>, 2: </a:t>
                       </a:r>
                       <a:r>
-                        <a:rPr lang="ko-KR" altLang="en-US" dirty="0" err="1"/>
-                        <a:t>식품팀</a:t>
+                        <a:rPr lang="ko-KR" altLang="en-US" dirty="0"/>
+                        <a:t>가정용품파트</a:t>
                       </a:r>
                       <a:r>
                         <a:rPr lang="en-US" altLang="ko-KR" dirty="0"/>
                         <a:t>, 3: </a:t>
                       </a:r>
                       <a:r>
-                        <a:rPr lang="ko-KR" altLang="en-US" dirty="0" err="1"/>
-                        <a:t>잡화가용팀</a:t>
-                      </a:r>
-                      <a:r>
-                        <a:rPr lang="en-US" altLang="ko-KR" dirty="0"/>
-                        <a:t>, </a:t>
-                      </a:r>
-                    </a:p>
-                    <a:p>
-                      <a:pPr algn="ctr" latinLnBrk="1"/>
-                      <a:r>
-                        <a:rPr lang="en-US" altLang="ko-KR" dirty="0"/>
-                        <a:t>4: </a:t>
-                      </a:r>
-                      <a:r>
-                        <a:rPr lang="ko-KR" altLang="en-US" dirty="0"/>
-                        <a:t>인터넷백화점</a:t>
-                      </a:r>
-                      <a:r>
-                        <a:rPr lang="en-US" altLang="ko-KR" dirty="0"/>
-                        <a:t>, 5: </a:t>
-                      </a:r>
-                      <a:r>
-                        <a:rPr lang="ko-KR" altLang="en-US" dirty="0"/>
-                        <a:t>상품개발영업</a:t>
-                      </a:r>
-                      <a:r>
-                        <a:rPr lang="en-US" altLang="ko-KR" dirty="0"/>
-                        <a:t>2</a:t>
-                      </a:r>
-                      <a:r>
-                        <a:rPr lang="ko-KR" altLang="en-US" dirty="0"/>
-                        <a:t>과</a:t>
+                        <a:rPr lang="ko-KR" altLang="en-US" dirty="0"/>
+                        <a:t>잡화파트 등등</a:t>
                       </a:r>
                     </a:p>
                   </a:txBody>
@@ -4340,7 +4310,122 @@
                   </a:ext>
                 </a:extLst>
               </a:tr>
-              <a:tr h="334359">
+              <a:tr h="320040">
+                <a:tc>
+                  <a:txBody>
+                    <a:bodyPr/>
+                    <a:lstStyle/>
+                    <a:p>
+                      <a:pPr algn="ctr" latinLnBrk="1"/>
+                      <a:r>
+                        <a:rPr lang="en-US" altLang="ko-KR" cap="none" baseline="0" dirty="0" err="1"/>
+                        <a:t>team_nm</a:t>
+                      </a:r>
+                      <a:endParaRPr lang="ko-KR" altLang="en-US" cap="none" baseline="0" dirty="0"/>
+                    </a:p>
+                  </a:txBody>
+                  <a:tcPr/>
+                </a:tc>
+                <a:tc>
+                  <a:txBody>
+                    <a:bodyPr/>
+                    <a:lstStyle/>
+                    <a:p>
+                      <a:pPr algn="ctr" latinLnBrk="1"/>
+                      <a:r>
+                        <a:rPr lang="ko-KR" altLang="en-US" dirty="0"/>
+                        <a:t>팀별</a:t>
+                      </a:r>
+                    </a:p>
+                  </a:txBody>
+                  <a:tcPr/>
+                </a:tc>
+                <a:tc>
+                  <a:txBody>
+                    <a:bodyPr/>
+                    <a:lstStyle/>
+                    <a:p>
+                      <a:pPr algn="ctr" latinLnBrk="1"/>
+                      <a:r>
+                        <a:rPr lang="ko-KR" altLang="en-US" dirty="0"/>
+                        <a:t>서열</a:t>
+                      </a:r>
+                    </a:p>
+                  </a:txBody>
+                  <a:tcPr/>
+                </a:tc>
+                <a:tc>
+                  <a:txBody>
+                    <a:bodyPr/>
+                    <a:lstStyle/>
+                    <a:p>
+                      <a:pPr algn="ctr" latinLnBrk="1"/>
+                      <a:r>
+                        <a:rPr lang="en-US" altLang="ko-KR" dirty="0"/>
+                        <a:t>1: </a:t>
+                      </a:r>
+                      <a:r>
+                        <a:rPr lang="ko-KR" altLang="en-US" dirty="0"/>
+                        <a:t>의류패션팀</a:t>
+                      </a:r>
+                      <a:r>
+                        <a:rPr lang="en-US" altLang="ko-KR" dirty="0"/>
+                        <a:t>, 2: </a:t>
+                      </a:r>
+                      <a:r>
+                        <a:rPr lang="ko-KR" altLang="en-US" dirty="0" err="1"/>
+                        <a:t>식품팀</a:t>
+                      </a:r>
+                      <a:r>
+                        <a:rPr lang="en-US" altLang="ko-KR" dirty="0"/>
+                        <a:t>, 3: </a:t>
+                      </a:r>
+                      <a:r>
+                        <a:rPr lang="ko-KR" altLang="en-US" dirty="0" err="1"/>
+                        <a:t>잡화가용팀</a:t>
+                      </a:r>
+                      <a:r>
+                        <a:rPr lang="en-US" altLang="ko-KR" dirty="0"/>
+                        <a:t>, </a:t>
+                      </a:r>
+                    </a:p>
+                    <a:p>
+                      <a:pPr algn="ctr" latinLnBrk="1"/>
+                      <a:r>
+                        <a:rPr lang="en-US" altLang="ko-KR" dirty="0"/>
+                        <a:t>4: </a:t>
+                      </a:r>
+                      <a:r>
+                        <a:rPr lang="ko-KR" altLang="en-US" dirty="0"/>
+                        <a:t>인터넷백화점</a:t>
+                      </a:r>
+                      <a:r>
+                        <a:rPr lang="en-US" altLang="ko-KR" dirty="0"/>
+                        <a:t>, 5: </a:t>
+                      </a:r>
+                      <a:r>
+                        <a:rPr lang="ko-KR" altLang="en-US" dirty="0"/>
+                        <a:t>상품개발영업</a:t>
+                      </a:r>
+                      <a:r>
+                        <a:rPr lang="en-US" altLang="ko-KR" dirty="0"/>
+                        <a:t>2</a:t>
+                      </a:r>
+                      <a:r>
+                        <a:rPr lang="ko-KR" altLang="en-US" dirty="0"/>
+                        <a:t>과</a:t>
+                      </a:r>
+                    </a:p>
+                  </a:txBody>
+                  <a:tcPr/>
+                </a:tc>
+                <a:extLst>
+                  <a:ext uri="{0D108BD9-81ED-4DB2-BD59-A6C34878D82A}">
+                    <a16:rowId xmlns:a16="http://schemas.microsoft.com/office/drawing/2014/main" val="223169092"/>
+                  </a:ext>
+                </a:extLst>
+              </a:tr>
+              <a:tr h="282121">
                 <a:tc>
                   <a:txBody>
                     <a:bodyPr/>
@@ -4453,7 +4538,7 @@
                   </a:ext>
                 </a:extLst>
               </a:tr>
-              <a:tr h="339003">
+              <a:tr h="282121">
                 <a:tc>
                   <a:txBody>
                     <a:bodyPr/>
@@ -4541,7 +4626,7 @@
                   </a:ext>
                 </a:extLst>
               </a:tr>
-              <a:tr h="339003">
+              <a:tr h="282121">
                 <a:tc>
                   <a:txBody>
                     <a:bodyPr/>
@@ -4625,7 +4710,7 @@
                   </a:ext>
                 </a:extLst>
               </a:tr>
-              <a:tr h="0">
+              <a:tr h="282121">
                 <a:tc>
                   <a:txBody>
                     <a:bodyPr/>
@@ -4693,7 +4778,7 @@
                   </a:ext>
                 </a:extLst>
               </a:tr>
-              <a:tr h="334359">
+              <a:tr h="282121">
                 <a:tc>
                   <a:txBody>
                     <a:bodyPr/>
@@ -4751,6 +4836,92 @@
                         <a:rPr lang="ko-KR" altLang="en-US" dirty="0"/>
                         <a:t>실제 구매 금액</a:t>
                       </a:r>
+                    </a:p>
+                  </a:txBody>
+                  <a:tcPr/>
+                </a:tc>
+                <a:extLst>
+                  <a:ext uri="{0D108BD9-81ED-4DB2-BD59-A6C34878D82A}">
+                    <a16:rowId xmlns:a16="http://schemas.microsoft.com/office/drawing/2014/main" val="4140788315"/>
+                  </a:ext>
+                </a:extLst>
+              </a:tr>
+              <a:tr h="282121">
+                <a:tc>
+                  <a:txBody>
+                    <a:bodyPr/>
+                    <a:lstStyle/>
+                    <a:p>
+                      <a:pPr algn="ctr" latinLnBrk="1"/>
+                      <a:r>
+                        <a:rPr lang="en-US" altLang="ko-KR" cap="none" baseline="0" dirty="0" err="1"/>
+                        <a:t>Inst_mon</a:t>
+                      </a:r>
+                      <a:endParaRPr lang="ko-KR" altLang="en-US" cap="none" baseline="0" dirty="0"/>
+                    </a:p>
+                  </a:txBody>
+                  <a:tcPr/>
+                </a:tc>
+                <a:tc>
+                  <a:txBody>
+                    <a:bodyPr/>
+                    <a:lstStyle/>
+                    <a:p>
+                      <a:pPr algn="ctr" latinLnBrk="1"/>
+                      <a:r>
+                        <a:rPr lang="ko-KR" altLang="en-US" dirty="0"/>
+                        <a:t>할부 개월</a:t>
+                      </a:r>
+                    </a:p>
+                  </a:txBody>
+                  <a:tcPr/>
+                </a:tc>
+                <a:tc>
+                  <a:txBody>
+                    <a:bodyPr/>
+                    <a:lstStyle/>
+                    <a:p>
+                      <a:pPr algn="ctr" latinLnBrk="1"/>
+                      <a:r>
+                        <a:rPr lang="ko-KR" altLang="en-US" dirty="0"/>
+                        <a:t>명목</a:t>
+                      </a:r>
+                      <a:r>
+                        <a:rPr lang="en-US" altLang="ko-KR" dirty="0"/>
+                        <a:t>(</a:t>
+                      </a:r>
+                      <a:r>
+                        <a:rPr lang="ko-KR" altLang="en-US" dirty="0"/>
+                        <a:t>다항</a:t>
+                      </a:r>
+                      <a:r>
+                        <a:rPr lang="en-US" altLang="ko-KR" dirty="0"/>
+                        <a:t>)</a:t>
+                      </a:r>
+                      <a:endParaRPr lang="ko-KR" altLang="en-US" dirty="0"/>
+                    </a:p>
+                  </a:txBody>
+                  <a:tcPr/>
+                </a:tc>
+                <a:tc>
+                  <a:txBody>
+                    <a:bodyPr/>
+                    <a:lstStyle/>
+                    <a:p>
+                      <a:pPr algn="ctr" latinLnBrk="1"/>
+                      <a:r>
+                        <a:rPr lang="en-US" altLang="ko-KR" dirty="0"/>
+                        <a:t>1: </a:t>
+                      </a:r>
+                      <a:r>
+                        <a:rPr lang="ko-KR" altLang="en-US" dirty="0"/>
+                        <a:t>할부 개월 수 </a:t>
+                      </a:r>
+                      <a:r>
+                        <a:rPr lang="en-US" altLang="ko-KR" dirty="0"/>
+                        <a:t>(1~12)</a:t>
+                      </a:r>
+                      <a:endParaRPr lang="ko-KR" altLang="en-US" dirty="0"/>
                     </a:p>
                   </a:txBody>
                   <a:tcPr/>
@@ -4758,6 +4929,90 @@
                 <a:extLst>
                   <a:ext uri="{0D108BD9-81ED-4DB2-BD59-A6C34878D82A}">
                     <a16:rowId xmlns:a16="http://schemas.microsoft.com/office/drawing/2014/main" val="1992765864"/>
+                  </a:ext>
+                </a:extLst>
+              </a:tr>
+              <a:tr h="282121">
+                <a:tc>
+                  <a:txBody>
+                    <a:bodyPr/>
+                    <a:lstStyle/>
+                    <a:p>
+                      <a:pPr algn="ctr" latinLnBrk="1"/>
+                      <a:r>
+                        <a:rPr lang="en-US" altLang="ko-KR" cap="none" baseline="0" dirty="0" err="1"/>
+                        <a:t>Inst_fee</a:t>
+                      </a:r>
+                      <a:endParaRPr lang="ko-KR" altLang="en-US" cap="none" baseline="0" dirty="0"/>
+                    </a:p>
+                  </a:txBody>
+                  <a:tcPr/>
+                </a:tc>
+                <a:tc>
+                  <a:txBody>
+                    <a:bodyPr/>
+                    <a:lstStyle/>
+                    <a:p>
+                      <a:pPr algn="ctr" latinLnBrk="1"/>
+                      <a:r>
+                        <a:rPr lang="ko-KR" altLang="en-US" dirty="0"/>
+                        <a:t>이자</a:t>
+                      </a:r>
+                      <a:r>
+                        <a:rPr lang="en-US" altLang="ko-KR" dirty="0"/>
+                        <a:t> </a:t>
+                      </a:r>
+                      <a:r>
+                        <a:rPr lang="ko-KR" altLang="en-US" dirty="0"/>
+                        <a:t>할부</a:t>
+                      </a:r>
+                    </a:p>
+                  </a:txBody>
+                  <a:tcPr/>
+                </a:tc>
+                <a:tc>
+                  <a:txBody>
+                    <a:bodyPr/>
+                    <a:lstStyle/>
+                    <a:p>
+                      <a:pPr algn="ctr" latinLnBrk="1"/>
+                      <a:r>
+                        <a:rPr lang="ko-KR" altLang="en-US" dirty="0"/>
+                        <a:t>이항</a:t>
+                      </a:r>
+                    </a:p>
+                  </a:txBody>
+                  <a:tcPr/>
+                </a:tc>
+                <a:tc>
+                  <a:txBody>
+                    <a:bodyPr/>
+                    <a:lstStyle/>
+                    <a:p>
+                      <a:pPr algn="ctr" latinLnBrk="1"/>
+                      <a:r>
+                        <a:rPr lang="en-US" altLang="ko-KR" dirty="0"/>
+                        <a:t>1: </a:t>
+                      </a:r>
+                      <a:r>
+                        <a:rPr lang="ko-KR" altLang="en-US" dirty="0"/>
+                        <a:t>무이자할부</a:t>
+                      </a:r>
+                      <a:r>
+                        <a:rPr lang="en-US" altLang="ko-KR" dirty="0"/>
+                        <a:t>, 2: </a:t>
+                      </a:r>
+                      <a:r>
+                        <a:rPr lang="ko-KR" altLang="en-US" dirty="0"/>
+                        <a:t>이자할부</a:t>
+                      </a:r>
+                    </a:p>
+                  </a:txBody>
+                  <a:tcPr/>
+                </a:tc>
+                <a:extLst>
+                  <a:ext uri="{0D108BD9-81ED-4DB2-BD59-A6C34878D82A}">
+                    <a16:rowId xmlns:a16="http://schemas.microsoft.com/office/drawing/2014/main" val="3243778469"/>
                   </a:ext>
                 </a:extLst>
               </a:tr>
@@ -4779,8 +5034,8 @@
         </p:nvSpPr>
         <p:spPr>
           <a:xfrm>
-            <a:off x="2914680" y="157608"/>
-            <a:ext cx="6362639" cy="584775"/>
+            <a:off x="4265210" y="73718"/>
+            <a:ext cx="3661580" cy="369332"/>
           </a:xfrm>
           <a:prstGeom prst="rect">
             <a:avLst/>
@@ -4794,15 +5049,15 @@
           <a:lstStyle/>
           <a:p>
             <a:r>
-              <a:rPr lang="ko-KR" altLang="en-US" sz="3200" dirty="0"/>
+              <a:rPr lang="ko-KR" altLang="en-US" dirty="0"/>
               <a:t>백화점 데이터 </a:t>
             </a:r>
             <a:r>
-              <a:rPr lang="ko-KR" altLang="en-US" sz="3200" dirty="0" err="1"/>
+              <a:rPr lang="ko-KR" altLang="en-US" dirty="0" err="1"/>
               <a:t>파트별</a:t>
             </a:r>
             <a:r>
-              <a:rPr lang="ko-KR" altLang="en-US" sz="3200" dirty="0"/>
+              <a:rPr lang="ko-KR" altLang="en-US" dirty="0"/>
               <a:t> 분석방향성</a:t>
             </a:r>
           </a:p>

--- a/Refernce/백화점 데이터 파트별 분석방향성.pptx
+++ b/Refernce/백화점 데이터 파트별 분석방향성.pptx
@@ -3341,7 +3341,7 @@
           <p:nvPr>
             <p:extLst>
               <p:ext uri="{D42A27DB-BD31-4B8C-83A1-F6EECF244321}">
-                <p14:modId xmlns:p14="http://schemas.microsoft.com/office/powerpoint/2010/main" val="3720105133"/>
+                <p14:modId xmlns:p14="http://schemas.microsoft.com/office/powerpoint/2010/main" val="1606279756"/>
               </p:ext>
             </p:extLst>
           </p:nvPr>
@@ -4234,7 +4234,7 @@
                       <a:pPr algn="ctr" latinLnBrk="1"/>
                       <a:r>
                         <a:rPr lang="en-US" altLang="ko-KR" cap="none" baseline="0" dirty="0" err="1"/>
-                        <a:t>Part_nm</a:t>
+                        <a:t>part_nm</a:t>
                       </a:r>
                       <a:endParaRPr lang="ko-KR" altLang="en-US" cap="none" baseline="0" dirty="0"/>
                     </a:p>
@@ -4855,7 +4855,7 @@
                       <a:pPr algn="ctr" latinLnBrk="1"/>
                       <a:r>
                         <a:rPr lang="en-US" altLang="ko-KR" cap="none" baseline="0" dirty="0" err="1"/>
-                        <a:t>Inst_mon</a:t>
+                        <a:t>inst_mon</a:t>
                       </a:r>
                       <a:endParaRPr lang="ko-KR" altLang="en-US" cap="none" baseline="0" dirty="0"/>
                     </a:p>
@@ -4941,7 +4941,7 @@
                       <a:pPr algn="ctr" latinLnBrk="1"/>
                       <a:r>
                         <a:rPr lang="en-US" altLang="ko-KR" cap="none" baseline="0" dirty="0" err="1"/>
-                        <a:t>Inst_fee</a:t>
+                        <a:t>inst_fee</a:t>
                       </a:r>
                       <a:endParaRPr lang="ko-KR" altLang="en-US" cap="none" baseline="0" dirty="0"/>
                     </a:p>
